--- a/CSI1002 Operating System Principles/Geraldine/Module-2 Process.pptx
+++ b/CSI1002 Operating System Principles/Geraldine/Module-2 Process.pptx
@@ -248,7 +248,7 @@
           <a:p>
             <a:fld id="{D543629E-327B-4943-AFBD-87D2AB2B4C28}" type="datetimeFigureOut">
               <a:rPr lang="en-IN" smtClean="0"/>
-              <a:t>01-08-2020</a:t>
+              <a:t>21-01-2021</a:t>
             </a:fld>
             <a:endParaRPr lang="en-IN"/>
           </a:p>
@@ -4279,7 +4279,7 @@
           <a:p>
             <a:fld id="{9B949CC0-DF3A-4224-81BA-44A57AAB76F8}" type="datetimeFigureOut">
               <a:rPr lang="en-IN" smtClean="0"/>
-              <a:t>01-08-2020</a:t>
+              <a:t>21-01-2021</a:t>
             </a:fld>
             <a:endParaRPr lang="en-IN"/>
           </a:p>
@@ -4449,7 +4449,7 @@
           <a:p>
             <a:fld id="{9B949CC0-DF3A-4224-81BA-44A57AAB76F8}" type="datetimeFigureOut">
               <a:rPr lang="en-IN" smtClean="0"/>
-              <a:t>01-08-2020</a:t>
+              <a:t>21-01-2021</a:t>
             </a:fld>
             <a:endParaRPr lang="en-IN"/>
           </a:p>
@@ -4629,7 +4629,7 @@
           <a:p>
             <a:fld id="{9B949CC0-DF3A-4224-81BA-44A57AAB76F8}" type="datetimeFigureOut">
               <a:rPr lang="en-IN" smtClean="0"/>
-              <a:t>01-08-2020</a:t>
+              <a:t>21-01-2021</a:t>
             </a:fld>
             <a:endParaRPr lang="en-IN"/>
           </a:p>
@@ -5161,7 +5161,7 @@
           <a:p>
             <a:fld id="{9B949CC0-DF3A-4224-81BA-44A57AAB76F8}" type="datetimeFigureOut">
               <a:rPr lang="en-IN" smtClean="0"/>
-              <a:t>01-08-2020</a:t>
+              <a:t>21-01-2021</a:t>
             </a:fld>
             <a:endParaRPr lang="en-IN"/>
           </a:p>
@@ -5407,7 +5407,7 @@
           <a:p>
             <a:fld id="{9B949CC0-DF3A-4224-81BA-44A57AAB76F8}" type="datetimeFigureOut">
               <a:rPr lang="en-IN" smtClean="0"/>
-              <a:t>01-08-2020</a:t>
+              <a:t>21-01-2021</a:t>
             </a:fld>
             <a:endParaRPr lang="en-IN"/>
           </a:p>
@@ -5639,7 +5639,7 @@
           <a:p>
             <a:fld id="{9B949CC0-DF3A-4224-81BA-44A57AAB76F8}" type="datetimeFigureOut">
               <a:rPr lang="en-IN" smtClean="0"/>
-              <a:t>01-08-2020</a:t>
+              <a:t>21-01-2021</a:t>
             </a:fld>
             <a:endParaRPr lang="en-IN"/>
           </a:p>
@@ -6006,7 +6006,7 @@
           <a:p>
             <a:fld id="{9B949CC0-DF3A-4224-81BA-44A57AAB76F8}" type="datetimeFigureOut">
               <a:rPr lang="en-IN" smtClean="0"/>
-              <a:t>01-08-2020</a:t>
+              <a:t>21-01-2021</a:t>
             </a:fld>
             <a:endParaRPr lang="en-IN"/>
           </a:p>
@@ -6124,7 +6124,7 @@
           <a:p>
             <a:fld id="{9B949CC0-DF3A-4224-81BA-44A57AAB76F8}" type="datetimeFigureOut">
               <a:rPr lang="en-IN" smtClean="0"/>
-              <a:t>01-08-2020</a:t>
+              <a:t>21-01-2021</a:t>
             </a:fld>
             <a:endParaRPr lang="en-IN"/>
           </a:p>
@@ -6219,7 +6219,7 @@
           <a:p>
             <a:fld id="{9B949CC0-DF3A-4224-81BA-44A57AAB76F8}" type="datetimeFigureOut">
               <a:rPr lang="en-IN" smtClean="0"/>
-              <a:t>01-08-2020</a:t>
+              <a:t>21-01-2021</a:t>
             </a:fld>
             <a:endParaRPr lang="en-IN"/>
           </a:p>
@@ -6496,7 +6496,7 @@
           <a:p>
             <a:fld id="{9B949CC0-DF3A-4224-81BA-44A57AAB76F8}" type="datetimeFigureOut">
               <a:rPr lang="en-IN" smtClean="0"/>
-              <a:t>01-08-2020</a:t>
+              <a:t>21-01-2021</a:t>
             </a:fld>
             <a:endParaRPr lang="en-IN"/>
           </a:p>
@@ -6749,7 +6749,7 @@
           <a:p>
             <a:fld id="{9B949CC0-DF3A-4224-81BA-44A57AAB76F8}" type="datetimeFigureOut">
               <a:rPr lang="en-IN" smtClean="0"/>
-              <a:t>01-08-2020</a:t>
+              <a:t>21-01-2021</a:t>
             </a:fld>
             <a:endParaRPr lang="en-IN"/>
           </a:p>
@@ -6962,7 +6962,7 @@
           <a:p>
             <a:fld id="{9B949CC0-DF3A-4224-81BA-44A57AAB76F8}" type="datetimeFigureOut">
               <a:rPr lang="en-IN" smtClean="0"/>
-              <a:t>01-08-2020</a:t>
+              <a:t>21-01-2021</a:t>
             </a:fld>
             <a:endParaRPr lang="en-IN"/>
           </a:p>
@@ -11330,12 +11330,12 @@
           <a:graphicData uri="http://schemas.openxmlformats.org/presentationml/2006/ole">
             <mc:AlternateContent xmlns:mc="http://schemas.openxmlformats.org/markup-compatibility/2006">
               <mc:Choice xmlns:v="urn:schemas-microsoft-com:vml" Requires="v">
-                <p:oleObj spid="_x0000_s1107" name="Packager Shell Object" showAsIcon="1" r:id="rId3" imgW="1037968" imgH="436605" progId="Package">
+                <p:oleObj name="Packager Shell Object" showAsIcon="1" r:id="rId2" imgW="1037968" imgH="436605" progId="Package">
                   <p:embed/>
                 </p:oleObj>
               </mc:Choice>
               <mc:Fallback>
-                <p:oleObj name="Packager Shell Object" showAsIcon="1" r:id="rId3" imgW="1037968" imgH="436605" progId="Package">
+                <p:oleObj name="Packager Shell Object" showAsIcon="1" r:id="rId2" imgW="1037968" imgH="436605" progId="Package">
                   <p:embed/>
                   <p:pic>
                     <p:nvPicPr>
@@ -11346,7 +11346,7 @@
                       <p:nvPr/>
                     </p:nvPicPr>
                     <p:blipFill>
-                      <a:blip r:embed="rId4">
+                      <a:blip r:embed="rId3">
                         <a:extLst>
                           <a:ext uri="{28A0092B-C50C-407E-A947-70E740481C1C}">
                             <a14:useLocalDpi xmlns:a14="http://schemas.microsoft.com/office/drawing/2010/main" val="0"/>
@@ -11406,7 +11406,7 @@
           <p:nvPr/>
         </p:nvPicPr>
         <p:blipFill>
-          <a:blip r:embed="rId5">
+          <a:blip r:embed="rId4">
             <a:extLst>
               <a:ext uri="{28A0092B-C50C-407E-A947-70E740481C1C}">
                 <a14:useLocalDpi xmlns:a14="http://schemas.microsoft.com/office/drawing/2010/main" val="0"/>
@@ -18943,18 +18943,18 @@
 </file>
 
 <file path=customXml/item1.xml><?xml version="1.0" encoding="utf-8"?>
-<p:properties xmlns:p="http://schemas.microsoft.com/office/2006/metadata/properties" xmlns:xsi="http://www.w3.org/2001/XMLSchema-instance" xmlns:pc="http://schemas.microsoft.com/office/infopath/2007/PartnerControls">
-  <documentManagement/>
-</p:properties>
-</file>
-
-<file path=customXml/item2.xml><?xml version="1.0" encoding="utf-8"?>
 <?mso-contentType ?>
 <FormTemplates xmlns="http://schemas.microsoft.com/sharepoint/v3/contenttype/forms">
   <Display>DocumentLibraryForm</Display>
   <Edit>DocumentLibraryForm</Edit>
   <New>DocumentLibraryForm</New>
 </FormTemplates>
+</file>
+
+<file path=customXml/item2.xml><?xml version="1.0" encoding="utf-8"?>
+<p:properties xmlns:p="http://schemas.microsoft.com/office/2006/metadata/properties" xmlns:xsi="http://www.w3.org/2001/XMLSchema-instance" xmlns:pc="http://schemas.microsoft.com/office/infopath/2007/PartnerControls">
+  <documentManagement/>
+</p:properties>
 </file>
 
 <file path=customXml/item3.xml><?xml version="1.0" encoding="utf-8"?>
@@ -19090,18 +19090,18 @@
 </file>
 
 <file path=customXml/itemProps1.xml><?xml version="1.0" encoding="utf-8"?>
-<ds:datastoreItem xmlns:ds="http://schemas.openxmlformats.org/officeDocument/2006/customXml" ds:itemID="{F6532EB1-1DE7-475E-9361-50E64920D2E7}">
+<ds:datastoreItem xmlns:ds="http://schemas.openxmlformats.org/officeDocument/2006/customXml" ds:itemID="{D5373546-9940-4F74-9AAF-06652859DFE9}">
   <ds:schemaRefs>
-    <ds:schemaRef ds:uri="http://schemas.microsoft.com/office/2006/metadata/properties"/>
-    <ds:schemaRef ds:uri="http://schemas.microsoft.com/office/infopath/2007/PartnerControls"/>
+    <ds:schemaRef ds:uri="http://schemas.microsoft.com/sharepoint/v3/contenttype/forms"/>
   </ds:schemaRefs>
 </ds:datastoreItem>
 </file>
 
 <file path=customXml/itemProps2.xml><?xml version="1.0" encoding="utf-8"?>
-<ds:datastoreItem xmlns:ds="http://schemas.openxmlformats.org/officeDocument/2006/customXml" ds:itemID="{D5373546-9940-4F74-9AAF-06652859DFE9}">
+<ds:datastoreItem xmlns:ds="http://schemas.openxmlformats.org/officeDocument/2006/customXml" ds:itemID="{F6532EB1-1DE7-475E-9361-50E64920D2E7}">
   <ds:schemaRefs>
-    <ds:schemaRef ds:uri="http://schemas.microsoft.com/sharepoint/v3/contenttype/forms"/>
+    <ds:schemaRef ds:uri="http://schemas.microsoft.com/office/2006/metadata/properties"/>
+    <ds:schemaRef ds:uri="http://schemas.microsoft.com/office/infopath/2007/PartnerControls"/>
   </ds:schemaRefs>
 </ds:datastoreItem>
 </file>
